--- a/03.Properties of Pure Substances.pptx
+++ b/03.Properties of Pure Substances.pptx
@@ -4083,7 +4083,7 @@
           <a:p>
             <a:pPr algn="ctr" eaLnBrk="1" hangingPunct="1"/>
             <a:r>
-              <a:rPr lang="en-US" sz="2800" dirty="0">
+              <a:rPr lang="en-US" sz="2800" b="1" dirty="0">
                 <a:solidFill>
                   <a:srgbClr val="C00000"/>
                 </a:solidFill>
@@ -4093,13 +4093,13 @@
               <a:t>Topic 2</a:t>
             </a:r>
             <a:br>
-              <a:rPr lang="en-US" b="0" dirty="0">
+              <a:rPr lang="en-US" b="1" dirty="0">
                 <a:latin typeface="Arial" panose="020B0604020202020204" pitchFamily="34" charset="0"/>
                 <a:cs typeface="Arial" panose="020B0604020202020204" pitchFamily="34" charset="0"/>
               </a:rPr>
             </a:br>
             <a:r>
-              <a:rPr lang="en-US" sz="3200" dirty="0">
+              <a:rPr lang="en-US" sz="3200" b="1" dirty="0">
                 <a:solidFill>
                   <a:srgbClr val="3333FF"/>
                 </a:solidFill>

--- a/03.Properties of Pure Substances.pptx
+++ b/03.Properties of Pure Substances.pptx
@@ -4090,7 +4090,7 @@
                 <a:latin typeface="Arial" panose="020B0604020202020204" pitchFamily="34" charset="0"/>
                 <a:cs typeface="Arial" panose="020B0604020202020204" pitchFamily="34" charset="0"/>
               </a:rPr>
-              <a:t>Topic 2</a:t>
+              <a:t>Topic 3</a:t>
             </a:r>
             <a:br>
               <a:rPr lang="en-US" b="1" dirty="0">
